--- a/Présentation projet final.pptx
+++ b/Présentation projet final.pptx
@@ -171,6 +171,11 @@
       </a:defRPr>
     </a:lvl9pPr>
   </p:defaultTextStyle>
+  <p:extLst>
+    <p:ext uri="{EFAFB233-063F-42B5-8137-9DF3F51BA10A}">
+      <p15:sldGuideLst xmlns:p15="http://schemas.microsoft.com/office/powerpoint/2012/main"/>
+    </p:ext>
+  </p:extLst>
 </p:presentation>
 </file>
 
@@ -256,7 +261,7 @@
           <a:p>
             <a:fld id="{7887A313-1B11-864C-A35A-D86BF5175844}" type="datetimeFigureOut">
               <a:rPr lang="fr-FR" smtClean="0"/>
-              <a:t>25/01/2023</a:t>
+              <a:t>26/01/2023</a:t>
             </a:fld>
             <a:endParaRPr lang="fr-FR"/>
           </a:p>
@@ -754,7 +759,7 @@
           <a:p>
             <a:fld id="{0CE67830-8387-3E46-A079-7FCF5C0D6931}" type="datetimeFigureOut">
               <a:rPr lang="fr-FR" smtClean="0"/>
-              <a:t>25/01/2023</a:t>
+              <a:t>26/01/2023</a:t>
             </a:fld>
             <a:endParaRPr lang="fr-FR"/>
           </a:p>
@@ -952,7 +957,7 @@
           <a:p>
             <a:fld id="{0CE67830-8387-3E46-A079-7FCF5C0D6931}" type="datetimeFigureOut">
               <a:rPr lang="fr-FR" smtClean="0"/>
-              <a:t>25/01/2023</a:t>
+              <a:t>26/01/2023</a:t>
             </a:fld>
             <a:endParaRPr lang="fr-FR"/>
           </a:p>
@@ -1160,7 +1165,7 @@
           <a:p>
             <a:fld id="{0CE67830-8387-3E46-A079-7FCF5C0D6931}" type="datetimeFigureOut">
               <a:rPr lang="fr-FR" smtClean="0"/>
-              <a:t>25/01/2023</a:t>
+              <a:t>26/01/2023</a:t>
             </a:fld>
             <a:endParaRPr lang="fr-FR"/>
           </a:p>
@@ -1358,7 +1363,7 @@
           <a:p>
             <a:fld id="{0CE67830-8387-3E46-A079-7FCF5C0D6931}" type="datetimeFigureOut">
               <a:rPr lang="fr-FR" smtClean="0"/>
-              <a:t>25/01/2023</a:t>
+              <a:t>26/01/2023</a:t>
             </a:fld>
             <a:endParaRPr lang="fr-FR"/>
           </a:p>
@@ -1633,7 +1638,7 @@
           <a:p>
             <a:fld id="{0CE67830-8387-3E46-A079-7FCF5C0D6931}" type="datetimeFigureOut">
               <a:rPr lang="fr-FR" smtClean="0"/>
-              <a:t>25/01/2023</a:t>
+              <a:t>26/01/2023</a:t>
             </a:fld>
             <a:endParaRPr lang="fr-FR"/>
           </a:p>
@@ -1898,7 +1903,7 @@
           <a:p>
             <a:fld id="{0CE67830-8387-3E46-A079-7FCF5C0D6931}" type="datetimeFigureOut">
               <a:rPr lang="fr-FR" smtClean="0"/>
-              <a:t>25/01/2023</a:t>
+              <a:t>26/01/2023</a:t>
             </a:fld>
             <a:endParaRPr lang="fr-FR"/>
           </a:p>
@@ -2310,7 +2315,7 @@
           <a:p>
             <a:fld id="{0CE67830-8387-3E46-A079-7FCF5C0D6931}" type="datetimeFigureOut">
               <a:rPr lang="fr-FR" smtClean="0"/>
-              <a:t>25/01/2023</a:t>
+              <a:t>26/01/2023</a:t>
             </a:fld>
             <a:endParaRPr lang="fr-FR"/>
           </a:p>
@@ -2451,7 +2456,7 @@
           <a:p>
             <a:fld id="{0CE67830-8387-3E46-A079-7FCF5C0D6931}" type="datetimeFigureOut">
               <a:rPr lang="fr-FR" smtClean="0"/>
-              <a:t>25/01/2023</a:t>
+              <a:t>26/01/2023</a:t>
             </a:fld>
             <a:endParaRPr lang="fr-FR"/>
           </a:p>
@@ -2564,7 +2569,7 @@
           <a:p>
             <a:fld id="{0CE67830-8387-3E46-A079-7FCF5C0D6931}" type="datetimeFigureOut">
               <a:rPr lang="fr-FR" smtClean="0"/>
-              <a:t>25/01/2023</a:t>
+              <a:t>26/01/2023</a:t>
             </a:fld>
             <a:endParaRPr lang="fr-FR"/>
           </a:p>
@@ -2875,7 +2880,7 @@
           <a:p>
             <a:fld id="{0CE67830-8387-3E46-A079-7FCF5C0D6931}" type="datetimeFigureOut">
               <a:rPr lang="fr-FR" smtClean="0"/>
-              <a:t>25/01/2023</a:t>
+              <a:t>26/01/2023</a:t>
             </a:fld>
             <a:endParaRPr lang="fr-FR"/>
           </a:p>
@@ -3163,7 +3168,7 @@
           <a:p>
             <a:fld id="{0CE67830-8387-3E46-A079-7FCF5C0D6931}" type="datetimeFigureOut">
               <a:rPr lang="fr-FR" smtClean="0"/>
-              <a:t>25/01/2023</a:t>
+              <a:t>26/01/2023</a:t>
             </a:fld>
             <a:endParaRPr lang="fr-FR"/>
           </a:p>
@@ -3404,7 +3409,7 @@
           <a:p>
             <a:fld id="{0CE67830-8387-3E46-A079-7FCF5C0D6931}" type="datetimeFigureOut">
               <a:rPr lang="fr-FR" smtClean="0"/>
-              <a:t>25/01/2023</a:t>
+              <a:t>26/01/2023</a:t>
             </a:fld>
             <a:endParaRPr lang="fr-FR"/>
           </a:p>
@@ -3995,13 +4000,13 @@
   <p:clrMapOvr>
     <a:masterClrMapping/>
   </p:clrMapOvr>
-  <mc:AlternateContent xmlns:mc="http://schemas.openxmlformats.org/markup-compatibility/2006">
-    <mc:Choice xmlns:p14="http://schemas.microsoft.com/office/powerpoint/2010/main" Requires="p14">
+  <mc:AlternateContent xmlns:mc="http://schemas.openxmlformats.org/markup-compatibility/2006" xmlns:p14="http://schemas.microsoft.com/office/powerpoint/2010/main">
+    <mc:Choice Requires="p14">
       <p:transition spd="slow" p14:dur="1500">
         <p:split orient="vert"/>
       </p:transition>
     </mc:Choice>
-    <mc:Fallback>
+    <mc:Fallback xmlns="">
       <p:transition spd="slow">
         <p:split orient="vert"/>
       </p:transition>
@@ -5242,13 +5247,13 @@
   <p:clrMapOvr>
     <a:masterClrMapping/>
   </p:clrMapOvr>
-  <mc:AlternateContent xmlns:mc="http://schemas.openxmlformats.org/markup-compatibility/2006">
-    <mc:Choice xmlns:p159="http://schemas.microsoft.com/office/powerpoint/2015/09/main" Requires="p159">
+  <mc:AlternateContent xmlns:mc="http://schemas.openxmlformats.org/markup-compatibility/2006" xmlns:p159="http://schemas.microsoft.com/office/powerpoint/2015/09/main">
+    <mc:Choice Requires="p159">
       <p:transition xmlns:p14="http://schemas.microsoft.com/office/powerpoint/2010/main" spd="slow" p14:dur="2000">
         <p159:morph option="byObject"/>
       </p:transition>
     </mc:Choice>
-    <mc:Fallback>
+    <mc:Fallback xmlns="">
       <p:transition spd="slow">
         <p:fade/>
       </p:transition>
@@ -10359,13 +10364,13 @@
   <p:clrMapOvr>
     <a:masterClrMapping/>
   </p:clrMapOvr>
-  <mc:AlternateContent xmlns:mc="http://schemas.openxmlformats.org/markup-compatibility/2006">
-    <mc:Choice xmlns:p159="http://schemas.microsoft.com/office/powerpoint/2015/09/main" Requires="p159">
+  <mc:AlternateContent xmlns:mc="http://schemas.openxmlformats.org/markup-compatibility/2006" xmlns:p159="http://schemas.microsoft.com/office/powerpoint/2015/09/main">
+    <mc:Choice Requires="p159">
       <p:transition xmlns:p14="http://schemas.microsoft.com/office/powerpoint/2010/main" spd="slow" p14:dur="2000">
         <p159:morph option="byObject"/>
       </p:transition>
     </mc:Choice>
-    <mc:Fallback>
+    <mc:Fallback xmlns="">
       <p:transition spd="slow">
         <p:fade/>
       </p:transition>
@@ -11340,6 +11345,60 @@
           <a:chExt cx="0" cy="0"/>
         </a:xfrm>
       </p:grpSpPr>
+      <p:sp>
+        <p:nvSpPr>
+          <p:cNvPr id="2" name="ZoneTexte 1">
+            <a:extLst>
+              <a:ext uri="{FF2B5EF4-FFF2-40B4-BE49-F238E27FC236}">
+                <a16:creationId xmlns:a16="http://schemas.microsoft.com/office/drawing/2014/main" id="{963580E3-2602-CDBC-1031-C578C6381217}"/>
+              </a:ext>
+            </a:extLst>
+          </p:cNvPr>
+          <p:cNvSpPr txBox="1"/>
+          <p:nvPr/>
+        </p:nvSpPr>
+        <p:spPr>
+          <a:xfrm>
+            <a:off x="4829212" y="450121"/>
+            <a:ext cx="3864864" cy="584775"/>
+          </a:xfrm>
+          <a:prstGeom prst="rect">
+            <a:avLst/>
+          </a:prstGeom>
+          <a:noFill/>
+        </p:spPr>
+        <p:txBody>
+          <a:bodyPr wrap="square" rtlCol="0">
+            <a:spAutoFit/>
+          </a:bodyPr>
+          <a:lstStyle/>
+          <a:p>
+            <a:pPr algn="ctr"/>
+            <a:r>
+              <a:rPr lang="fr-FR" sz="3200" b="1" i="1">
+                <a:ln w="10160">
+                  <a:solidFill>
+                    <a:schemeClr val="accent5"/>
+                  </a:solidFill>
+                  <a:prstDash val="solid"/>
+                </a:ln>
+                <a:solidFill>
+                  <a:srgbClr val="FFFFFF"/>
+                </a:solidFill>
+                <a:effectLst>
+                  <a:outerShdw blurRad="38100" dist="22860" dir="5400000" algn="tl" rotWithShape="0">
+                    <a:srgbClr val="000000">
+                      <a:alpha val="30000"/>
+                    </a:srgbClr>
+                  </a:outerShdw>
+                </a:effectLst>
+              </a:rPr>
+              <a:t>Anastassia</a:t>
+            </a:r>
+            <a:endParaRPr lang="fr-FR" sz="3200" b="1" i="1" dirty="0"/>
+          </a:p>
+        </p:txBody>
+      </p:sp>
     </p:spTree>
     <p:extLst>
       <p:ext uri="{BB962C8B-B14F-4D97-AF65-F5344CB8AC3E}">
